--- a/User_story/User stories - Sean.pptx
+++ b/User_story/User stories - Sean.pptx
@@ -13,6 +13,7 @@
     <p:sldId id="263" r:id="rId7"/>
     <p:sldId id="264" r:id="rId8"/>
     <p:sldId id="265" r:id="rId9"/>
+    <p:sldId id="266" r:id="rId10"/>
   </p:sldIdLst>
   <p:sldSz cx="9906000" cy="6858000" type="A4"/>
   <p:notesSz cx="6858000" cy="9144000"/>
@@ -312,7 +313,7 @@
             <a:fld id="{1585DAA5-6BE2-467A-90B2-00E985D86198}" type="datetimeFigureOut">
               <a:rPr lang="en-AU" smtClean="0"/>
               <a:pPr/>
-              <a:t>7/9/17</a:t>
+              <a:t>17/9/17</a:t>
             </a:fld>
             <a:endParaRPr lang="en-AU"/>
           </a:p>
@@ -479,7 +480,7 @@
             <a:fld id="{1585DAA5-6BE2-467A-90B2-00E985D86198}" type="datetimeFigureOut">
               <a:rPr lang="en-AU" smtClean="0"/>
               <a:pPr/>
-              <a:t>7/9/17</a:t>
+              <a:t>17/9/17</a:t>
             </a:fld>
             <a:endParaRPr lang="en-AU"/>
           </a:p>
@@ -656,7 +657,7 @@
             <a:fld id="{1585DAA5-6BE2-467A-90B2-00E985D86198}" type="datetimeFigureOut">
               <a:rPr lang="en-AU" smtClean="0"/>
               <a:pPr/>
-              <a:t>7/9/17</a:t>
+              <a:t>17/9/17</a:t>
             </a:fld>
             <a:endParaRPr lang="en-AU"/>
           </a:p>
@@ -823,7 +824,7 @@
             <a:fld id="{1585DAA5-6BE2-467A-90B2-00E985D86198}" type="datetimeFigureOut">
               <a:rPr lang="en-AU" smtClean="0"/>
               <a:pPr/>
-              <a:t>7/9/17</a:t>
+              <a:t>17/9/17</a:t>
             </a:fld>
             <a:endParaRPr lang="en-AU"/>
           </a:p>
@@ -1066,7 +1067,7 @@
             <a:fld id="{1585DAA5-6BE2-467A-90B2-00E985D86198}" type="datetimeFigureOut">
               <a:rPr lang="en-AU" smtClean="0"/>
               <a:pPr/>
-              <a:t>7/9/17</a:t>
+              <a:t>17/9/17</a:t>
             </a:fld>
             <a:endParaRPr lang="en-AU"/>
           </a:p>
@@ -1351,7 +1352,7 @@
             <a:fld id="{1585DAA5-6BE2-467A-90B2-00E985D86198}" type="datetimeFigureOut">
               <a:rPr lang="en-AU" smtClean="0"/>
               <a:pPr/>
-              <a:t>7/9/17</a:t>
+              <a:t>17/9/17</a:t>
             </a:fld>
             <a:endParaRPr lang="en-AU"/>
           </a:p>
@@ -1770,7 +1771,7 @@
             <a:fld id="{1585DAA5-6BE2-467A-90B2-00E985D86198}" type="datetimeFigureOut">
               <a:rPr lang="en-AU" smtClean="0"/>
               <a:pPr/>
-              <a:t>7/9/17</a:t>
+              <a:t>17/9/17</a:t>
             </a:fld>
             <a:endParaRPr lang="en-AU"/>
           </a:p>
@@ -1885,7 +1886,7 @@
             <a:fld id="{1585DAA5-6BE2-467A-90B2-00E985D86198}" type="datetimeFigureOut">
               <a:rPr lang="en-AU" smtClean="0"/>
               <a:pPr/>
-              <a:t>7/9/17</a:t>
+              <a:t>17/9/17</a:t>
             </a:fld>
             <a:endParaRPr lang="en-AU"/>
           </a:p>
@@ -1977,7 +1978,7 @@
             <a:fld id="{1585DAA5-6BE2-467A-90B2-00E985D86198}" type="datetimeFigureOut">
               <a:rPr lang="en-AU" smtClean="0"/>
               <a:pPr/>
-              <a:t>7/9/17</a:t>
+              <a:t>17/9/17</a:t>
             </a:fld>
             <a:endParaRPr lang="en-AU"/>
           </a:p>
@@ -2251,7 +2252,7 @@
             <a:fld id="{1585DAA5-6BE2-467A-90B2-00E985D86198}" type="datetimeFigureOut">
               <a:rPr lang="en-AU" smtClean="0"/>
               <a:pPr/>
-              <a:t>7/9/17</a:t>
+              <a:t>17/9/17</a:t>
             </a:fld>
             <a:endParaRPr lang="en-AU"/>
           </a:p>
@@ -2501,7 +2502,7 @@
             <a:fld id="{1585DAA5-6BE2-467A-90B2-00E985D86198}" type="datetimeFigureOut">
               <a:rPr lang="en-AU" smtClean="0"/>
               <a:pPr/>
-              <a:t>7/9/17</a:t>
+              <a:t>17/9/17</a:t>
             </a:fld>
             <a:endParaRPr lang="en-AU"/>
           </a:p>
@@ -2711,7 +2712,7 @@
             <a:fld id="{1585DAA5-6BE2-467A-90B2-00E985D86198}" type="datetimeFigureOut">
               <a:rPr lang="en-AU" smtClean="0"/>
               <a:pPr/>
-              <a:t>7/9/17</a:t>
+              <a:t>17/9/17</a:t>
             </a:fld>
             <a:endParaRPr lang="en-AU"/>
           </a:p>
@@ -3252,7 +3253,15 @@
                   <a:schemeClr val="tx1"/>
                 </a:solidFill>
               </a:rPr>
-              <a:t>As a student, I want to be able to sign up with my personal information such as GPA, contacts, major, address, etc.</a:t>
+              <a:t>As a student, I want to be able to sign up with my personal information such as student number, </a:t>
+            </a:r>
+            <a:r>
+              <a:rPr lang="en-AU" sz="2400" dirty="0" smtClean="0">
+                <a:solidFill>
+                  <a:schemeClr val="tx1"/>
+                </a:solidFill>
+              </a:rPr>
+              <a:t>password so that I can use them to sign in in the future</a:t>
             </a:r>
             <a:endParaRPr lang="en-AU" sz="2400" dirty="0" smtClean="0">
               <a:solidFill>
@@ -3734,7 +3743,15 @@
                   <a:schemeClr val="tx1"/>
                 </a:solidFill>
               </a:rPr>
-              <a:t>As a student, I want to be able to form my own group and edit group members</a:t>
+              <a:t>As a student, I want to be able to form my own group and edit group </a:t>
+            </a:r>
+            <a:r>
+              <a:rPr lang="en-AU" sz="2400" dirty="0" smtClean="0">
+                <a:solidFill>
+                  <a:schemeClr val="tx1"/>
+                </a:solidFill>
+              </a:rPr>
+              <a:t>members so that I can be with the people I’m most comfortable with and if anyone leaves, I can remove them</a:t>
             </a:r>
             <a:endParaRPr lang="en-AU" sz="2400" dirty="0" smtClean="0">
               <a:solidFill>
@@ -4221,7 +4238,15 @@
                   <a:schemeClr val="tx1"/>
                 </a:solidFill>
               </a:rPr>
-              <a:t>As a student, I want to be automatically be put into a group if I don’t end up forming my own group</a:t>
+              <a:t>As a student, I want to be automatically be put into a group if I don’t end up forming my own </a:t>
+            </a:r>
+            <a:r>
+              <a:rPr lang="en-AU" sz="2400" dirty="0" smtClean="0">
+                <a:solidFill>
+                  <a:schemeClr val="tx1"/>
+                </a:solidFill>
+              </a:rPr>
+              <a:t>group so that I don’t have to go through the hassle of sending requests to be in a group to the tutors</a:t>
             </a:r>
             <a:endParaRPr lang="en-AU" sz="2400" dirty="0" smtClean="0">
               <a:solidFill>
@@ -4708,7 +4733,15 @@
                   <a:schemeClr val="tx1"/>
                 </a:solidFill>
               </a:rPr>
-              <a:t>As a student, I want to be able to upload my CV and cover letters</a:t>
+              <a:t>As a student, I want to be able to upload my CV and cover </a:t>
+            </a:r>
+            <a:r>
+              <a:rPr lang="en-AU" sz="2400" dirty="0" smtClean="0">
+                <a:solidFill>
+                  <a:schemeClr val="tx1"/>
+                </a:solidFill>
+              </a:rPr>
+              <a:t>letters so that I can apply for the projects available</a:t>
             </a:r>
             <a:endParaRPr lang="en-AU" sz="2400" dirty="0" smtClean="0">
               <a:solidFill>
@@ -5195,7 +5228,15 @@
                   <a:schemeClr val="tx1"/>
                 </a:solidFill>
               </a:rPr>
-              <a:t>As a student, I want to be able to sing up my group for the fortnightly meetings and presentation</a:t>
+              <a:t>As a student, I want to be able to sing up my group for the fortnightly meetings and </a:t>
+            </a:r>
+            <a:r>
+              <a:rPr lang="en-AU" sz="2400" dirty="0" smtClean="0">
+                <a:solidFill>
+                  <a:schemeClr val="tx1"/>
+                </a:solidFill>
+              </a:rPr>
+              <a:t>presentation so that my group is aware of the time and location of the meeting</a:t>
             </a:r>
             <a:endParaRPr lang="en-AU" sz="2400" dirty="0" smtClean="0">
               <a:solidFill>
@@ -5682,7 +5723,15 @@
                   <a:schemeClr val="tx1"/>
                 </a:solidFill>
               </a:rPr>
-              <a:t>As a student, I want to be able to rank applied projects on behalf of my group</a:t>
+              <a:t>As a student, I want to be able to rank applied projects on behalf of my </a:t>
+            </a:r>
+            <a:r>
+              <a:rPr lang="en-AU" sz="2400" dirty="0" smtClean="0">
+                <a:solidFill>
+                  <a:schemeClr val="tx1"/>
+                </a:solidFill>
+              </a:rPr>
+              <a:t>group so that we can show our preferred projects in a ranked order</a:t>
             </a:r>
             <a:endParaRPr lang="en-AU" sz="2400" dirty="0" smtClean="0">
               <a:solidFill>
@@ -6169,7 +6218,15 @@
                   <a:schemeClr val="tx1"/>
                 </a:solidFill>
               </a:rPr>
-              <a:t>As a student, I want to be able submit/edit online reflections/fortnightly and weekly reports</a:t>
+              <a:t>As a student, I want to be able submit/edit online reflections/fortnightly and weekly </a:t>
+            </a:r>
+            <a:r>
+              <a:rPr lang="en-AU" sz="2400" dirty="0" smtClean="0">
+                <a:solidFill>
+                  <a:schemeClr val="tx1"/>
+                </a:solidFill>
+              </a:rPr>
+              <a:t>reports so that I don’t have to continuously click on the link provided on the email</a:t>
             </a:r>
             <a:endParaRPr lang="en-AU" sz="2400" dirty="0" smtClean="0">
               <a:solidFill>
@@ -6658,6 +6715,14 @@
               </a:rPr>
               <a:t>As a student, I want to have prefilled information in forms, surveys and online reflections </a:t>
             </a:r>
+            <a:r>
+              <a:rPr lang="en-AU" sz="2400" dirty="0" smtClean="0">
+                <a:solidFill>
+                  <a:schemeClr val="tx1"/>
+                </a:solidFill>
+              </a:rPr>
+              <a:t>so that I don’t have to continuously type in my group’s names and student numbers</a:t>
+            </a:r>
             <a:endParaRPr lang="en-AU" sz="2400" dirty="0" smtClean="0">
               <a:solidFill>
                 <a:schemeClr val="tx1"/>
@@ -6947,6 +7012,517 @@
     <p:extLst>
       <p:ext uri="{BB962C8B-B14F-4D97-AF65-F5344CB8AC3E}">
         <p14:creationId xmlns:p14="http://schemas.microsoft.com/office/powerpoint/2010/main" val="1161947171"/>
+      </p:ext>
+    </p:extLst>
+  </p:cSld>
+  <p:clrMapOvr>
+    <a:masterClrMapping/>
+  </p:clrMapOvr>
+</p:sld>
+</file>
+
+<file path=ppt/slides/slide9.xml><?xml version="1.0" encoding="utf-8"?>
+<p:sld xmlns:a="http://schemas.openxmlformats.org/drawingml/2006/main" xmlns:r="http://schemas.openxmlformats.org/officeDocument/2006/relationships" xmlns:p="http://schemas.openxmlformats.org/presentationml/2006/main">
+  <p:cSld>
+    <p:spTree>
+      <p:nvGrpSpPr>
+        <p:cNvPr id="1" name=""/>
+        <p:cNvGrpSpPr/>
+        <p:nvPr/>
+      </p:nvGrpSpPr>
+      <p:grpSpPr>
+        <a:xfrm>
+          <a:off x="0" y="0"/>
+          <a:ext cx="0" cy="0"/>
+          <a:chOff x="0" y="0"/>
+          <a:chExt cx="0" cy="0"/>
+        </a:xfrm>
+      </p:grpSpPr>
+      <p:sp>
+        <p:nvSpPr>
+          <p:cNvPr id="4" name="Rectangle 3"/>
+          <p:cNvSpPr/>
+          <p:nvPr/>
+        </p:nvSpPr>
+        <p:spPr>
+          <a:xfrm>
+            <a:off x="39153" y="109410"/>
+            <a:ext cx="720000" cy="540000"/>
+          </a:xfrm>
+          <a:prstGeom prst="rect">
+            <a:avLst/>
+          </a:prstGeom>
+          <a:solidFill>
+            <a:schemeClr val="accent1">
+              <a:lumMod val="40000"/>
+              <a:lumOff val="60000"/>
+            </a:schemeClr>
+          </a:solidFill>
+          <a:ln>
+            <a:solidFill>
+              <a:schemeClr val="accent1">
+                <a:lumMod val="50000"/>
+              </a:schemeClr>
+            </a:solidFill>
+          </a:ln>
+        </p:spPr>
+        <p:style>
+          <a:lnRef idx="2">
+            <a:schemeClr val="accent1">
+              <a:shade val="50000"/>
+            </a:schemeClr>
+          </a:lnRef>
+          <a:fillRef idx="1">
+            <a:schemeClr val="accent1"/>
+          </a:fillRef>
+          <a:effectRef idx="0">
+            <a:schemeClr val="accent1"/>
+          </a:effectRef>
+          <a:fontRef idx="minor">
+            <a:schemeClr val="lt1"/>
+          </a:fontRef>
+        </p:style>
+        <p:txBody>
+          <a:bodyPr wrap="square" lIns="0" rIns="0" rtlCol="0" anchor="ctr"/>
+          <a:lstStyle/>
+          <a:p>
+            <a:pPr algn="ctr"/>
+            <a:r>
+              <a:rPr lang="en-AU" sz="2000" dirty="0" smtClean="0">
+                <a:solidFill>
+                  <a:schemeClr val="tx1"/>
+                </a:solidFill>
+              </a:rPr>
+              <a:t>Story ID</a:t>
+            </a:r>
+            <a:endParaRPr lang="en-AU" sz="2000" dirty="0">
+              <a:solidFill>
+                <a:schemeClr val="tx1"/>
+              </a:solidFill>
+            </a:endParaRPr>
+          </a:p>
+        </p:txBody>
+      </p:sp>
+      <p:sp>
+        <p:nvSpPr>
+          <p:cNvPr id="6" name="Rectangle 5"/>
+          <p:cNvSpPr/>
+          <p:nvPr/>
+        </p:nvSpPr>
+        <p:spPr>
+          <a:xfrm>
+            <a:off x="831153" y="109410"/>
+            <a:ext cx="7380000" cy="540000"/>
+          </a:xfrm>
+          <a:prstGeom prst="rect">
+            <a:avLst/>
+          </a:prstGeom>
+          <a:ln>
+            <a:solidFill>
+              <a:schemeClr val="accent1">
+                <a:lumMod val="50000"/>
+              </a:schemeClr>
+            </a:solidFill>
+          </a:ln>
+        </p:spPr>
+        <p:style>
+          <a:lnRef idx="2">
+            <a:schemeClr val="accent1">
+              <a:shade val="50000"/>
+            </a:schemeClr>
+          </a:lnRef>
+          <a:fillRef idx="1">
+            <a:schemeClr val="accent1"/>
+          </a:fillRef>
+          <a:effectRef idx="0">
+            <a:schemeClr val="accent1"/>
+          </a:effectRef>
+          <a:fontRef idx="minor">
+            <a:schemeClr val="lt1"/>
+          </a:fontRef>
+        </p:style>
+        <p:txBody>
+          <a:bodyPr rtlCol="0" anchor="ctr"/>
+          <a:lstStyle/>
+          <a:p>
+            <a:pPr algn="ctr"/>
+            <a:r>
+              <a:rPr lang="en-AU" sz="2800" dirty="0" smtClean="0"/>
+              <a:t>List of projects</a:t>
+            </a:r>
+            <a:endParaRPr lang="en-AU" sz="2800" dirty="0"/>
+          </a:p>
+        </p:txBody>
+      </p:sp>
+      <p:sp>
+        <p:nvSpPr>
+          <p:cNvPr id="7" name="Rectangle 6"/>
+          <p:cNvSpPr/>
+          <p:nvPr/>
+        </p:nvSpPr>
+        <p:spPr>
+          <a:xfrm>
+            <a:off x="39153" y="822470"/>
+            <a:ext cx="9828000" cy="2340000"/>
+          </a:xfrm>
+          <a:prstGeom prst="rect">
+            <a:avLst/>
+          </a:prstGeom>
+          <a:solidFill>
+            <a:schemeClr val="tx2">
+              <a:lumMod val="20000"/>
+              <a:lumOff val="80000"/>
+            </a:schemeClr>
+          </a:solidFill>
+          <a:ln>
+            <a:solidFill>
+              <a:schemeClr val="accent1">
+                <a:lumMod val="50000"/>
+              </a:schemeClr>
+            </a:solidFill>
+          </a:ln>
+        </p:spPr>
+        <p:style>
+          <a:lnRef idx="2">
+            <a:schemeClr val="accent1">
+              <a:shade val="50000"/>
+            </a:schemeClr>
+          </a:lnRef>
+          <a:fillRef idx="1">
+            <a:schemeClr val="accent1"/>
+          </a:fillRef>
+          <a:effectRef idx="0">
+            <a:schemeClr val="accent1"/>
+          </a:effectRef>
+          <a:fontRef idx="minor">
+            <a:schemeClr val="lt1"/>
+          </a:fontRef>
+        </p:style>
+        <p:txBody>
+          <a:bodyPr rtlCol="0" anchor="t" anchorCtr="0"/>
+          <a:lstStyle/>
+          <a:p>
+            <a:r>
+              <a:rPr lang="en-AU" sz="2400" dirty="0" smtClean="0">
+                <a:solidFill>
+                  <a:schemeClr val="tx1"/>
+                </a:solidFill>
+              </a:rPr>
+              <a:t>As a student, I want to be able to see a list of available projects </a:t>
+            </a:r>
+            <a:r>
+              <a:rPr lang="en-AU" sz="2400" dirty="0" smtClean="0">
+                <a:solidFill>
+                  <a:schemeClr val="tx1"/>
+                </a:solidFill>
+              </a:rPr>
+              <a:t> </a:t>
+            </a:r>
+            <a:r>
+              <a:rPr lang="en-AU" sz="2400" dirty="0" smtClean="0">
+                <a:solidFill>
+                  <a:schemeClr val="tx1"/>
+                </a:solidFill>
+              </a:rPr>
+              <a:t>for </a:t>
+            </a:r>
+            <a:r>
+              <a:rPr lang="en-AU" sz="2400" dirty="0" smtClean="0">
+                <a:solidFill>
+                  <a:schemeClr val="tx1"/>
+                </a:solidFill>
+              </a:rPr>
+              <a:t>application so that my group and I can decide on what projects we’re going to apply for</a:t>
+            </a:r>
+            <a:endParaRPr lang="en-AU" sz="2400" dirty="0" smtClean="0">
+              <a:solidFill>
+                <a:schemeClr val="tx1"/>
+              </a:solidFill>
+            </a:endParaRPr>
+          </a:p>
+        </p:txBody>
+      </p:sp>
+      <p:sp>
+        <p:nvSpPr>
+          <p:cNvPr id="8" name="Rectangle 7"/>
+          <p:cNvSpPr/>
+          <p:nvPr/>
+        </p:nvSpPr>
+        <p:spPr>
+          <a:xfrm>
+            <a:off x="39153" y="3335530"/>
+            <a:ext cx="9828000" cy="1620000"/>
+          </a:xfrm>
+          <a:prstGeom prst="rect">
+            <a:avLst/>
+          </a:prstGeom>
+          <a:solidFill>
+            <a:schemeClr val="accent1">
+              <a:lumMod val="20000"/>
+              <a:lumOff val="80000"/>
+            </a:schemeClr>
+          </a:solidFill>
+          <a:ln>
+            <a:solidFill>
+              <a:schemeClr val="accent1">
+                <a:lumMod val="50000"/>
+              </a:schemeClr>
+            </a:solidFill>
+          </a:ln>
+        </p:spPr>
+        <p:style>
+          <a:lnRef idx="2">
+            <a:schemeClr val="accent1">
+              <a:shade val="50000"/>
+            </a:schemeClr>
+          </a:lnRef>
+          <a:fillRef idx="1">
+            <a:schemeClr val="accent1"/>
+          </a:fillRef>
+          <a:effectRef idx="0">
+            <a:schemeClr val="accent1"/>
+          </a:effectRef>
+          <a:fontRef idx="minor">
+            <a:schemeClr val="lt1"/>
+          </a:fontRef>
+        </p:style>
+        <p:txBody>
+          <a:bodyPr tIns="36000" rtlCol="0" anchor="t" anchorCtr="0"/>
+          <a:lstStyle/>
+          <a:p>
+            <a:r>
+              <a:rPr lang="en-AU" sz="2000" dirty="0" smtClean="0">
+                <a:solidFill>
+                  <a:schemeClr val="tx1"/>
+                </a:solidFill>
+              </a:rPr>
+              <a:t>Acceptance Criteria</a:t>
+            </a:r>
+          </a:p>
+          <a:p>
+            <a:pPr marL="179388" indent="-179388">
+              <a:buFont typeface="Arial" pitchFamily="34" charset="0"/>
+              <a:buChar char="•"/>
+            </a:pPr>
+            <a:r>
+              <a:rPr lang="en-AU" sz="2000" dirty="0" smtClean="0">
+                <a:solidFill>
+                  <a:schemeClr val="tx1"/>
+                </a:solidFill>
+              </a:rPr>
+              <a:t> </a:t>
+            </a:r>
+          </a:p>
+        </p:txBody>
+      </p:sp>
+      <p:sp>
+        <p:nvSpPr>
+          <p:cNvPr id="11" name="Rectangle 10"/>
+          <p:cNvSpPr/>
+          <p:nvPr/>
+        </p:nvSpPr>
+        <p:spPr>
+          <a:xfrm>
+            <a:off x="9147153" y="109410"/>
+            <a:ext cx="720000" cy="540000"/>
+          </a:xfrm>
+          <a:prstGeom prst="rect">
+            <a:avLst/>
+          </a:prstGeom>
+          <a:solidFill>
+            <a:srgbClr val="CCF0CD">
+              <a:alpha val="20000"/>
+            </a:srgbClr>
+          </a:solidFill>
+          <a:ln>
+            <a:solidFill>
+              <a:schemeClr val="accent1">
+                <a:lumMod val="50000"/>
+              </a:schemeClr>
+            </a:solidFill>
+          </a:ln>
+        </p:spPr>
+        <p:style>
+          <a:lnRef idx="2">
+            <a:schemeClr val="accent1">
+              <a:shade val="50000"/>
+            </a:schemeClr>
+          </a:lnRef>
+          <a:fillRef idx="1">
+            <a:schemeClr val="accent1"/>
+          </a:fillRef>
+          <a:effectRef idx="0">
+            <a:schemeClr val="accent1"/>
+          </a:effectRef>
+          <a:fontRef idx="minor">
+            <a:schemeClr val="lt1"/>
+          </a:fontRef>
+        </p:style>
+        <p:txBody>
+          <a:bodyPr wrap="square" lIns="0" rIns="0" rtlCol="0" anchor="ctr"/>
+          <a:lstStyle/>
+          <a:p>
+            <a:pPr algn="ctr"/>
+            <a:r>
+              <a:rPr lang="en-AU" sz="2000" dirty="0" smtClean="0">
+                <a:solidFill>
+                  <a:schemeClr val="tx1"/>
+                </a:solidFill>
+              </a:rPr>
+              <a:t>Story Points</a:t>
+            </a:r>
+            <a:endParaRPr lang="en-AU" sz="2000" dirty="0">
+              <a:solidFill>
+                <a:schemeClr val="tx1"/>
+              </a:solidFill>
+            </a:endParaRPr>
+          </a:p>
+        </p:txBody>
+      </p:sp>
+      <p:sp>
+        <p:nvSpPr>
+          <p:cNvPr id="12" name="Rectangle 11"/>
+          <p:cNvSpPr/>
+          <p:nvPr/>
+        </p:nvSpPr>
+        <p:spPr>
+          <a:xfrm>
+            <a:off x="8283153" y="109410"/>
+            <a:ext cx="792000" cy="540000"/>
+          </a:xfrm>
+          <a:prstGeom prst="rect">
+            <a:avLst/>
+          </a:prstGeom>
+          <a:solidFill>
+            <a:schemeClr val="accent4">
+              <a:lumMod val="20000"/>
+              <a:lumOff val="80000"/>
+            </a:schemeClr>
+          </a:solidFill>
+          <a:ln>
+            <a:solidFill>
+              <a:schemeClr val="accent1">
+                <a:lumMod val="50000"/>
+              </a:schemeClr>
+            </a:solidFill>
+          </a:ln>
+        </p:spPr>
+        <p:style>
+          <a:lnRef idx="2">
+            <a:schemeClr val="accent1">
+              <a:shade val="50000"/>
+            </a:schemeClr>
+          </a:lnRef>
+          <a:fillRef idx="1">
+            <a:schemeClr val="accent1"/>
+          </a:fillRef>
+          <a:effectRef idx="0">
+            <a:schemeClr val="accent1"/>
+          </a:effectRef>
+          <a:fontRef idx="minor">
+            <a:schemeClr val="lt1"/>
+          </a:fontRef>
+        </p:style>
+        <p:txBody>
+          <a:bodyPr wrap="none" lIns="0" rIns="0" rtlCol="0" anchor="ctr"/>
+          <a:lstStyle/>
+          <a:p>
+            <a:pPr algn="ctr"/>
+            <a:r>
+              <a:rPr lang="en-AU" sz="2000" dirty="0" smtClean="0">
+                <a:solidFill>
+                  <a:schemeClr val="tx1"/>
+                </a:solidFill>
+              </a:rPr>
+              <a:t>Priority</a:t>
+            </a:r>
+            <a:endParaRPr lang="en-AU" sz="2000" dirty="0">
+              <a:solidFill>
+                <a:schemeClr val="tx1"/>
+              </a:solidFill>
+            </a:endParaRPr>
+          </a:p>
+        </p:txBody>
+      </p:sp>
+      <p:sp>
+        <p:nvSpPr>
+          <p:cNvPr id="13" name="Rectangle 12"/>
+          <p:cNvSpPr/>
+          <p:nvPr/>
+        </p:nvSpPr>
+        <p:spPr>
+          <a:xfrm>
+            <a:off x="39153" y="5128590"/>
+            <a:ext cx="9828000" cy="1620000"/>
+          </a:xfrm>
+          <a:prstGeom prst="rect">
+            <a:avLst/>
+          </a:prstGeom>
+          <a:solidFill>
+            <a:schemeClr val="bg1"/>
+          </a:solidFill>
+          <a:ln>
+            <a:solidFill>
+              <a:schemeClr val="accent1">
+                <a:lumMod val="50000"/>
+              </a:schemeClr>
+            </a:solidFill>
+          </a:ln>
+        </p:spPr>
+        <p:style>
+          <a:lnRef idx="2">
+            <a:schemeClr val="accent1">
+              <a:shade val="50000"/>
+            </a:schemeClr>
+          </a:lnRef>
+          <a:fillRef idx="1">
+            <a:schemeClr val="accent1"/>
+          </a:fillRef>
+          <a:effectRef idx="0">
+            <a:schemeClr val="accent1"/>
+          </a:effectRef>
+          <a:fontRef idx="minor">
+            <a:schemeClr val="lt1"/>
+          </a:fontRef>
+        </p:style>
+        <p:txBody>
+          <a:bodyPr tIns="36000" rtlCol="0" anchor="t" anchorCtr="0"/>
+          <a:lstStyle/>
+          <a:p>
+            <a:r>
+              <a:rPr lang="en-AU" sz="2000" dirty="0" smtClean="0">
+                <a:solidFill>
+                  <a:schemeClr val="tx1"/>
+                </a:solidFill>
+              </a:rPr>
+              <a:t>Notes</a:t>
+            </a:r>
+          </a:p>
+          <a:p>
+            <a:pPr marL="179388" indent="-179388">
+              <a:buFont typeface="Arial" pitchFamily="34" charset="0"/>
+              <a:buChar char="•"/>
+            </a:pPr>
+            <a:r>
+              <a:rPr lang="en-AU" sz="2000" dirty="0" smtClean="0">
+                <a:solidFill>
+                  <a:schemeClr val="tx1"/>
+                </a:solidFill>
+              </a:rPr>
+              <a:t> </a:t>
+            </a:r>
+            <a:endParaRPr lang="en-AU" sz="2000" dirty="0">
+              <a:solidFill>
+                <a:schemeClr val="tx1"/>
+              </a:solidFill>
+            </a:endParaRPr>
+          </a:p>
+        </p:txBody>
+      </p:sp>
+    </p:spTree>
+    <p:extLst>
+      <p:ext uri="{BB962C8B-B14F-4D97-AF65-F5344CB8AC3E}">
+        <p14:creationId xmlns:p14="http://schemas.microsoft.com/office/powerpoint/2010/main" val="1606710034"/>
       </p:ext>
     </p:extLst>
   </p:cSld>
